--- a/Vicki_Nomwesigwa_Presentation.pptx
+++ b/Vicki_Nomwesigwa_Presentation.pptx
@@ -127,6 +127,11 @@
       </a:defRPr>
     </a:lvl9pPr>
   </p:defaultTextStyle>
+  <p:extLst>
+    <p:ext uri="{EFAFB233-063F-42B5-8137-9DF3F51BA10A}">
+      <p15:sldGuideLst xmlns:p15="http://schemas.microsoft.com/office/powerpoint/2012/main"/>
+    </p:ext>
+  </p:extLst>
 </p:presentation>
 </file>
 
@@ -3853,8 +3858,8 @@
         <a:lstStyle/>
         <a:p>
           <a:r>
-            <a:rPr lang="en-US"/>
-            <a:t>Model explains 93% of the data</a:t>
+            <a:rPr lang="en-US" dirty="0"/>
+            <a:t>Model explains 94% of the data</a:t>
           </a:r>
         </a:p>
       </dgm:t>
@@ -3892,8 +3897,8 @@
         <a:lstStyle/>
         <a:p>
           <a:r>
-            <a:rPr lang="en-US"/>
-            <a:t>Not linear in nature, but independence, equal variance and normality look good</a:t>
+            <a:rPr lang="en-US" dirty="0"/>
+            <a:t>Linearity, independence, equal variance and normality look good</a:t>
           </a:r>
         </a:p>
       </dgm:t>
@@ -5550,8 +5555,8 @@
             <a:buNone/>
           </a:pPr>
           <a:r>
-            <a:rPr lang="en-US" sz="1400" kern="1200"/>
-            <a:t>Model explains 93% of the data</a:t>
+            <a:rPr lang="en-US" sz="1400" kern="1200" dirty="0"/>
+            <a:t>Model explains 94% of the data</a:t>
           </a:r>
         </a:p>
       </dsp:txBody>
@@ -5758,8 +5763,8 @@
             <a:buNone/>
           </a:pPr>
           <a:r>
-            <a:rPr lang="en-US" sz="1400" kern="1200"/>
-            <a:t>Not linear in nature, but independence, equal variance and normality look good</a:t>
+            <a:rPr lang="en-US" sz="1400" kern="1200" dirty="0"/>
+            <a:t>Linearity, independence, equal variance and normality look good</a:t>
           </a:r>
         </a:p>
       </dsp:txBody>
@@ -12267,7 +12272,7 @@
           <a:p>
             <a:fld id="{0307A077-B394-CD40-98E5-1AC8DC1F7290}" type="datetimeFigureOut">
               <a:rPr lang="en-US" smtClean="0"/>
-              <a:t>11/22/21</a:t>
+              <a:t>12/9/21</a:t>
             </a:fld>
             <a:endParaRPr lang="en-US"/>
           </a:p>
@@ -12767,7 +12772,7 @@
           <a:p>
             <a:fld id="{FD2766A6-3C10-4AB8-86A1-BB1F0CDA7EFE}" type="datetimeFigureOut">
               <a:rPr lang="en-US" smtClean="0"/>
-              <a:t>11/22/21</a:t>
+              <a:t>12/9/21</a:t>
             </a:fld>
             <a:endParaRPr lang="en-US"/>
           </a:p>
@@ -12965,7 +12970,7 @@
           <a:p>
             <a:fld id="{FD2766A6-3C10-4AB8-86A1-BB1F0CDA7EFE}" type="datetimeFigureOut">
               <a:rPr lang="en-US" smtClean="0"/>
-              <a:t>11/22/21</a:t>
+              <a:t>12/9/21</a:t>
             </a:fld>
             <a:endParaRPr lang="en-US"/>
           </a:p>
@@ -13173,7 +13178,7 @@
           <a:p>
             <a:fld id="{FD2766A6-3C10-4AB8-86A1-BB1F0CDA7EFE}" type="datetimeFigureOut">
               <a:rPr lang="en-US" smtClean="0"/>
-              <a:t>11/22/21</a:t>
+              <a:t>12/9/21</a:t>
             </a:fld>
             <a:endParaRPr lang="en-US"/>
           </a:p>
@@ -13371,7 +13376,7 @@
           <a:p>
             <a:fld id="{FD2766A6-3C10-4AB8-86A1-BB1F0CDA7EFE}" type="datetimeFigureOut">
               <a:rPr lang="en-US" smtClean="0"/>
-              <a:t>11/22/21</a:t>
+              <a:t>12/9/21</a:t>
             </a:fld>
             <a:endParaRPr lang="en-US"/>
           </a:p>
@@ -13644,7 +13649,7 @@
           <a:p>
             <a:fld id="{FD2766A6-3C10-4AB8-86A1-BB1F0CDA7EFE}" type="datetimeFigureOut">
               <a:rPr lang="en-US" smtClean="0"/>
-              <a:t>11/22/21</a:t>
+              <a:t>12/9/21</a:t>
             </a:fld>
             <a:endParaRPr lang="en-US"/>
           </a:p>
@@ -13909,7 +13914,7 @@
           <a:p>
             <a:fld id="{FD2766A6-3C10-4AB8-86A1-BB1F0CDA7EFE}" type="datetimeFigureOut">
               <a:rPr lang="en-US" smtClean="0"/>
-              <a:t>11/22/21</a:t>
+              <a:t>12/9/21</a:t>
             </a:fld>
             <a:endParaRPr lang="en-US"/>
           </a:p>
@@ -14335,7 +14340,7 @@
           <a:p>
             <a:fld id="{FD2766A6-3C10-4AB8-86A1-BB1F0CDA7EFE}" type="datetimeFigureOut">
               <a:rPr lang="en-US" smtClean="0"/>
-              <a:t>11/22/21</a:t>
+              <a:t>12/9/21</a:t>
             </a:fld>
             <a:endParaRPr lang="en-US"/>
           </a:p>
@@ -14476,7 +14481,7 @@
           <a:p>
             <a:fld id="{FD2766A6-3C10-4AB8-86A1-BB1F0CDA7EFE}" type="datetimeFigureOut">
               <a:rPr lang="en-US" smtClean="0"/>
-              <a:t>11/22/21</a:t>
+              <a:t>12/9/21</a:t>
             </a:fld>
             <a:endParaRPr lang="en-US"/>
           </a:p>
@@ -14589,7 +14594,7 @@
           <a:p>
             <a:fld id="{FD2766A6-3C10-4AB8-86A1-BB1F0CDA7EFE}" type="datetimeFigureOut">
               <a:rPr lang="en-US" smtClean="0"/>
-              <a:t>11/22/21</a:t>
+              <a:t>12/9/21</a:t>
             </a:fld>
             <a:endParaRPr lang="en-US"/>
           </a:p>
@@ -14944,7 +14949,7 @@
           <a:p>
             <a:fld id="{FD2766A6-3C10-4AB8-86A1-BB1F0CDA7EFE}" type="datetimeFigureOut">
               <a:rPr lang="en-US" smtClean="0"/>
-              <a:t>11/22/21</a:t>
+              <a:t>12/9/21</a:t>
             </a:fld>
             <a:endParaRPr lang="en-US"/>
           </a:p>
@@ -15274,7 +15279,7 @@
           <a:p>
             <a:fld id="{FD2766A6-3C10-4AB8-86A1-BB1F0CDA7EFE}" type="datetimeFigureOut">
               <a:rPr lang="en-US" smtClean="0"/>
-              <a:t>11/22/21</a:t>
+              <a:t>12/9/21</a:t>
             </a:fld>
             <a:endParaRPr lang="en-US"/>
           </a:p>
@@ -15516,7 +15521,7 @@
             <a:fld id="{FD2766A6-3C10-4AB8-86A1-BB1F0CDA7EFE}" type="datetimeFigureOut">
               <a:rPr lang="en-US" smtClean="0"/>
               <a:pPr/>
-              <a:t>11/22/21</a:t>
+              <a:t>12/9/21</a:t>
             </a:fld>
             <a:endParaRPr lang="en-US" dirty="0"/>
           </a:p>
@@ -17213,8 +17218,8 @@
           </a:p>
         </p:txBody>
       </p:sp>
-      <mc:AlternateContent xmlns:mc="http://schemas.openxmlformats.org/markup-compatibility/2006">
-        <mc:Choice xmlns:a14="http://schemas.microsoft.com/office/drawing/2010/main" Requires="a14">
+      <mc:AlternateContent xmlns:mc="http://schemas.openxmlformats.org/markup-compatibility/2006" xmlns:a14="http://schemas.microsoft.com/office/drawing/2010/main">
+        <mc:Choice Requires="a14">
           <p:sp>
             <p:nvSpPr>
               <p:cNvPr id="3" name="Content Placeholder 2">
@@ -18885,7 +18890,7 @@
             </p:txBody>
           </p:sp>
         </mc:Choice>
-        <mc:Fallback>
+        <mc:Fallback xmlns="">
           <p:sp>
             <p:nvSpPr>
               <p:cNvPr id="3" name="Content Placeholder 2">
@@ -18983,8 +18988,8 @@
           </a:p>
         </p:txBody>
       </p:sp>
-      <mc:AlternateContent xmlns:mc="http://schemas.openxmlformats.org/markup-compatibility/2006">
-        <mc:Choice xmlns:a14="http://schemas.microsoft.com/office/drawing/2010/main" Requires="a14">
+      <mc:AlternateContent xmlns:mc="http://schemas.openxmlformats.org/markup-compatibility/2006" xmlns:a14="http://schemas.microsoft.com/office/drawing/2010/main">
+        <mc:Choice Requires="a14">
           <p:sp>
             <p:nvSpPr>
               <p:cNvPr id="3" name="Content Placeholder 2">
@@ -20058,7 +20063,7 @@
             </p:txBody>
           </p:sp>
         </mc:Choice>
-        <mc:Fallback>
+        <mc:Fallback xmlns="">
           <p:sp>
             <p:nvSpPr>
               <p:cNvPr id="3" name="Content Placeholder 2">
@@ -20250,7 +20255,7 @@
             <p:ph idx="1"/>
             <p:extLst>
               <p:ext uri="{D42A27DB-BD31-4B8C-83A1-F6EECF244321}">
-                <p14:modId xmlns:p14="http://schemas.microsoft.com/office/powerpoint/2010/main" val="2029456781"/>
+                <p14:modId xmlns:p14="http://schemas.microsoft.com/office/powerpoint/2010/main" val="3589200793"/>
               </p:ext>
             </p:extLst>
           </p:nvPr>
